--- a/BWM/Steuern.pptx
+++ b/BWM/Steuern.pptx
@@ -5,10 +5,10 @@
     <p:sldMasterId id="2147483660" r:id="rId4"/>
   </p:sldMasterIdLst>
   <p:notesMasterIdLst>
-    <p:notesMasterId r:id="rId31"/>
+    <p:notesMasterId r:id="rId30"/>
   </p:notesMasterIdLst>
   <p:handoutMasterIdLst>
-    <p:handoutMasterId r:id="rId32"/>
+    <p:handoutMasterId r:id="rId31"/>
   </p:handoutMasterIdLst>
   <p:sldIdLst>
     <p:sldId id="266" r:id="rId5"/>
@@ -28,15 +28,14 @@
     <p:sldId id="324" r:id="rId19"/>
     <p:sldId id="325" r:id="rId20"/>
     <p:sldId id="326" r:id="rId21"/>
-    <p:sldId id="327" r:id="rId22"/>
-    <p:sldId id="329" r:id="rId23"/>
-    <p:sldId id="330" r:id="rId24"/>
-    <p:sldId id="328" r:id="rId25"/>
-    <p:sldId id="331" r:id="rId26"/>
-    <p:sldId id="332" r:id="rId27"/>
-    <p:sldId id="334" r:id="rId28"/>
-    <p:sldId id="335" r:id="rId29"/>
-    <p:sldId id="336" r:id="rId30"/>
+    <p:sldId id="329" r:id="rId22"/>
+    <p:sldId id="330" r:id="rId23"/>
+    <p:sldId id="328" r:id="rId24"/>
+    <p:sldId id="331" r:id="rId25"/>
+    <p:sldId id="332" r:id="rId26"/>
+    <p:sldId id="334" r:id="rId27"/>
+    <p:sldId id="335" r:id="rId28"/>
+    <p:sldId id="336" r:id="rId29"/>
   </p:sldIdLst>
   <p:sldSz cx="12192000" cy="6858000"/>
   <p:notesSz cx="6858000" cy="9144000"/>
@@ -256,7 +255,7 @@
           <a:p>
             <a:fld id="{3DB3BB20-63E5-4D2B-9036-593CBBD48C0D}" type="datetime1">
               <a:rPr lang="de-DE" smtClean="0"/>
-              <a:t>07.06.2022</a:t>
+              <a:t>14.06.2022</a:t>
             </a:fld>
             <a:endParaRPr lang="de-DE" dirty="0"/>
           </a:p>
@@ -422,7 +421,7 @@
           <a:p>
             <a:fld id="{A8914055-EB05-44E8-89CB-3F3909881985}" type="datetime1">
               <a:rPr lang="de-DE" noProof="0" smtClean="0"/>
-              <a:t>07.06.2022</a:t>
+              <a:t>14.06.2022</a:t>
             </a:fld>
             <a:endParaRPr lang="de-DE" noProof="0" dirty="0"/>
           </a:p>
@@ -1021,7 +1020,7 @@
             <a:pPr rtl="0"/>
             <a:fld id="{C0E0C505-C10E-49B9-B6E4-DA78B95425DC}" type="datetime1">
               <a:rPr lang="de-DE" noProof="0" smtClean="0"/>
-              <a:t>07.06.2022</a:t>
+              <a:t>14.06.2022</a:t>
             </a:fld>
             <a:endParaRPr lang="de-DE" noProof="0" dirty="0"/>
           </a:p>
@@ -1213,7 +1212,7 @@
             <a:pPr rtl="0"/>
             <a:fld id="{33DE397B-B8D4-418F-A6D0-FC7B177B0BC8}" type="datetime1">
               <a:rPr lang="de-DE" noProof="0" smtClean="0"/>
-              <a:t>07.06.2022</a:t>
+              <a:t>14.06.2022</a:t>
             </a:fld>
             <a:endParaRPr lang="de-DE" noProof="0" dirty="0"/>
           </a:p>
@@ -1590,7 +1589,7 @@
             <a:pPr rtl="0"/>
             <a:fld id="{8A901BEF-0C60-46B3-92A7-A2075C1BCB8B}" type="datetime1">
               <a:rPr lang="de-DE" noProof="0" smtClean="0"/>
-              <a:t>07.06.2022</a:t>
+              <a:t>14.06.2022</a:t>
             </a:fld>
             <a:endParaRPr lang="de-DE" noProof="0" dirty="0"/>
           </a:p>
@@ -1849,7 +1848,7 @@
             <a:pPr rtl="0"/>
             <a:fld id="{8805495C-B470-4516-88E2-599C8CAC8111}" type="datetime1">
               <a:rPr lang="de-DE" noProof="0" smtClean="0"/>
-              <a:t>07.06.2022</a:t>
+              <a:t>14.06.2022</a:t>
             </a:fld>
             <a:endParaRPr lang="de-DE" noProof="0" dirty="0"/>
           </a:p>
@@ -2250,7 +2249,7 @@
             <a:pPr rtl="0"/>
             <a:fld id="{EC56F28B-8A78-4B03-95A3-A43A9E37E97D}" type="datetime1">
               <a:rPr lang="de-DE" noProof="0" smtClean="0"/>
-              <a:t>07.06.2022</a:t>
+              <a:t>14.06.2022</a:t>
             </a:fld>
             <a:endParaRPr lang="de-DE" noProof="0" dirty="0"/>
           </a:p>
@@ -2390,7 +2389,7 @@
             <a:pPr rtl="0"/>
             <a:fld id="{0BAE8466-7DA0-4D17-A6B3-7B58C9CE5CCD}" type="datetime1">
               <a:rPr lang="de-DE" noProof="0" smtClean="0"/>
-              <a:t>07.06.2022</a:t>
+              <a:t>14.06.2022</a:t>
             </a:fld>
             <a:endParaRPr lang="de-DE" noProof="0" dirty="0"/>
           </a:p>
@@ -2550,7 +2549,7 @@
             <a:pPr rtl="0"/>
             <a:fld id="{77B1F0C6-354D-4266-B96B-417B05B0B2ED}" type="datetime1">
               <a:rPr lang="de-DE" noProof="0" smtClean="0"/>
-              <a:t>07.06.2022</a:t>
+              <a:t>14.06.2022</a:t>
             </a:fld>
             <a:endParaRPr lang="de-DE" noProof="0" dirty="0"/>
           </a:p>
@@ -2883,7 +2882,7 @@
             <a:pPr rtl="0"/>
             <a:fld id="{1F46ADE6-1049-4CD9-9C11-ADF5C452646C}" type="datetime1">
               <a:rPr lang="de-DE" noProof="0" smtClean="0"/>
-              <a:t>07.06.2022</a:t>
+              <a:t>14.06.2022</a:t>
             </a:fld>
             <a:endParaRPr lang="de-DE" noProof="0" dirty="0"/>
           </a:p>
@@ -3238,7 +3237,7 @@
             <a:pPr rtl="0"/>
             <a:fld id="{6B11EEDF-0542-4DFE-BC51-DF61443B6179}" type="datetime1">
               <a:rPr lang="de-DE" noProof="0" smtClean="0"/>
-              <a:t>07.06.2022</a:t>
+              <a:t>14.06.2022</a:t>
             </a:fld>
             <a:endParaRPr lang="de-DE" noProof="0" dirty="0"/>
           </a:p>
@@ -3500,7 +3499,7 @@
             <a:pPr rtl="0"/>
             <a:fld id="{FDEBF1B8-8418-4DC2-AF09-ABBD16FB5813}" type="datetime1">
               <a:rPr lang="de-DE" noProof="0" smtClean="0"/>
-              <a:t>07.06.2022</a:t>
+              <a:t>14.06.2022</a:t>
             </a:fld>
             <a:endParaRPr lang="de-DE" noProof="0" dirty="0"/>
           </a:p>
@@ -4294,13 +4293,13 @@
   <p:clrMapOvr>
     <a:masterClrMapping/>
   </p:clrMapOvr>
-  <mc:AlternateContent xmlns:mc="http://schemas.openxmlformats.org/markup-compatibility/2006">
-    <mc:Choice xmlns:p14="http://schemas.microsoft.com/office/powerpoint/2010/main" Requires="p14">
+  <mc:AlternateContent xmlns:mc="http://schemas.openxmlformats.org/markup-compatibility/2006" xmlns:p14="http://schemas.microsoft.com/office/powerpoint/2010/main">
+    <mc:Choice Requires="p14">
       <p:transition spd="med" p14:dur="700">
         <p:fade/>
       </p:transition>
     </mc:Choice>
-    <mc:Fallback>
+    <mc:Fallback xmlns="">
       <p:transition spd="med">
         <p:fade/>
       </p:transition>
@@ -4404,13 +4403,13 @@
   <p:clrMapOvr>
     <a:masterClrMapping/>
   </p:clrMapOvr>
-  <mc:AlternateContent xmlns:mc="http://schemas.openxmlformats.org/markup-compatibility/2006">
-    <mc:Choice xmlns:p14="http://schemas.microsoft.com/office/powerpoint/2010/main" Requires="p14">
+  <mc:AlternateContent xmlns:mc="http://schemas.openxmlformats.org/markup-compatibility/2006" xmlns:p14="http://schemas.microsoft.com/office/powerpoint/2010/main">
+    <mc:Choice Requires="p14">
       <p:transition spd="med" p14:dur="700">
         <p:fade/>
       </p:transition>
     </mc:Choice>
-    <mc:Fallback>
+    <mc:Fallback xmlns="">
       <p:transition spd="med">
         <p:fade/>
       </p:transition>
@@ -4530,13 +4529,13 @@
   <p:clrMapOvr>
     <a:masterClrMapping/>
   </p:clrMapOvr>
-  <mc:AlternateContent xmlns:mc="http://schemas.openxmlformats.org/markup-compatibility/2006">
-    <mc:Choice xmlns:p14="http://schemas.microsoft.com/office/powerpoint/2010/main" Requires="p14">
+  <mc:AlternateContent xmlns:mc="http://schemas.openxmlformats.org/markup-compatibility/2006" xmlns:p14="http://schemas.microsoft.com/office/powerpoint/2010/main">
+    <mc:Choice Requires="p14">
       <p:transition spd="med" p14:dur="700">
         <p:fade/>
       </p:transition>
     </mc:Choice>
-    <mc:Fallback>
+    <mc:Fallback xmlns="">
       <p:transition spd="med">
         <p:fade/>
       </p:transition>
@@ -4720,13 +4719,13 @@
   <p:clrMapOvr>
     <a:masterClrMapping/>
   </p:clrMapOvr>
-  <mc:AlternateContent xmlns:mc="http://schemas.openxmlformats.org/markup-compatibility/2006">
-    <mc:Choice xmlns:p14="http://schemas.microsoft.com/office/powerpoint/2010/main" Requires="p14">
+  <mc:AlternateContent xmlns:mc="http://schemas.openxmlformats.org/markup-compatibility/2006" xmlns:p14="http://schemas.microsoft.com/office/powerpoint/2010/main">
+    <mc:Choice Requires="p14">
       <p:transition spd="med" p14:dur="700">
         <p:fade/>
       </p:transition>
     </mc:Choice>
-    <mc:Fallback>
+    <mc:Fallback xmlns="">
       <p:transition spd="med">
         <p:fade/>
       </p:transition>
@@ -4815,13 +4814,13 @@
   <p:clrMapOvr>
     <a:masterClrMapping/>
   </p:clrMapOvr>
-  <mc:AlternateContent xmlns:mc="http://schemas.openxmlformats.org/markup-compatibility/2006">
-    <mc:Choice xmlns:p14="http://schemas.microsoft.com/office/powerpoint/2010/main" Requires="p14">
+  <mc:AlternateContent xmlns:mc="http://schemas.openxmlformats.org/markup-compatibility/2006" xmlns:p14="http://schemas.microsoft.com/office/powerpoint/2010/main">
+    <mc:Choice Requires="p14">
       <p:transition spd="med" p14:dur="700">
         <p:fade/>
       </p:transition>
     </mc:Choice>
-    <mc:Fallback>
+    <mc:Fallback xmlns="">
       <p:transition spd="med">
         <p:fade/>
       </p:transition>
@@ -4953,13 +4952,13 @@
   <p:clrMapOvr>
     <a:masterClrMapping/>
   </p:clrMapOvr>
-  <mc:AlternateContent xmlns:mc="http://schemas.openxmlformats.org/markup-compatibility/2006">
-    <mc:Choice xmlns:p14="http://schemas.microsoft.com/office/powerpoint/2010/main" Requires="p14">
+  <mc:AlternateContent xmlns:mc="http://schemas.openxmlformats.org/markup-compatibility/2006" xmlns:p14="http://schemas.microsoft.com/office/powerpoint/2010/main">
+    <mc:Choice Requires="p14">
       <p:transition spd="med" p14:dur="700">
         <p:fade/>
       </p:transition>
     </mc:Choice>
-    <mc:Fallback>
+    <mc:Fallback xmlns="">
       <p:transition spd="med">
         <p:fade/>
       </p:transition>
@@ -5110,13 +5109,13 @@
   <p:clrMapOvr>
     <a:masterClrMapping/>
   </p:clrMapOvr>
-  <mc:AlternateContent xmlns:mc="http://schemas.openxmlformats.org/markup-compatibility/2006">
-    <mc:Choice xmlns:p14="http://schemas.microsoft.com/office/powerpoint/2010/main" Requires="p14">
+  <mc:AlternateContent xmlns:mc="http://schemas.openxmlformats.org/markup-compatibility/2006" xmlns:p14="http://schemas.microsoft.com/office/powerpoint/2010/main">
+    <mc:Choice Requires="p14">
       <p:transition spd="med" p14:dur="700">
         <p:fade/>
       </p:transition>
     </mc:Choice>
-    <mc:Fallback>
+    <mc:Fallback xmlns="">
       <p:transition spd="med">
         <p:fade/>
       </p:transition>
@@ -5250,13 +5249,13 @@
   <p:clrMapOvr>
     <a:masterClrMapping/>
   </p:clrMapOvr>
-  <mc:AlternateContent xmlns:mc="http://schemas.openxmlformats.org/markup-compatibility/2006">
-    <mc:Choice xmlns:p14="http://schemas.microsoft.com/office/powerpoint/2010/main" Requires="p14">
+  <mc:AlternateContent xmlns:mc="http://schemas.openxmlformats.org/markup-compatibility/2006" xmlns:p14="http://schemas.microsoft.com/office/powerpoint/2010/main">
+    <mc:Choice Requires="p14">
       <p:transition spd="med" p14:dur="700">
         <p:fade/>
       </p:transition>
     </mc:Choice>
-    <mc:Fallback>
+    <mc:Fallback xmlns="">
       <p:transition spd="med">
         <p:fade/>
       </p:transition>
@@ -5475,13 +5474,13 @@
   <p:clrMapOvr>
     <a:masterClrMapping/>
   </p:clrMapOvr>
-  <mc:AlternateContent xmlns:mc="http://schemas.openxmlformats.org/markup-compatibility/2006">
-    <mc:Choice xmlns:p14="http://schemas.microsoft.com/office/powerpoint/2010/main" Requires="p14">
+  <mc:AlternateContent xmlns:mc="http://schemas.openxmlformats.org/markup-compatibility/2006" xmlns:p14="http://schemas.microsoft.com/office/powerpoint/2010/main">
+    <mc:Choice Requires="p14">
       <p:transition spd="med" p14:dur="700">
         <p:fade/>
       </p:transition>
     </mc:Choice>
-    <mc:Fallback>
+    <mc:Fallback xmlns="">
       <p:transition spd="med">
         <p:fade/>
       </p:transition>
@@ -5512,7 +5511,7 @@
           <p:cNvPr id="2" name="Titel 1">
             <a:extLst>
               <a:ext uri="{FF2B5EF4-FFF2-40B4-BE49-F238E27FC236}">
-                <a16:creationId xmlns:a16="http://schemas.microsoft.com/office/drawing/2014/main" id="{9DD8AA75-23C1-6286-EC94-38C61AFB9919}"/>
+                <a16:creationId xmlns:a16="http://schemas.microsoft.com/office/drawing/2014/main" id="{907B8E8D-81CD-B529-2A69-E2BA38219A7C}"/>
               </a:ext>
             </a:extLst>
           </p:cNvPr>
@@ -5530,7 +5529,7 @@
           <a:p>
             <a:r>
               <a:rPr lang="de-DE" dirty="0"/>
-              <a:t>Überschusseinkünfte</a:t>
+              <a:t>Sonderausgaben</a:t>
             </a:r>
           </a:p>
         </p:txBody>
@@ -5540,7 +5539,7 @@
           <p:cNvPr id="3" name="Inhaltsplatzhalter 2">
             <a:extLst>
               <a:ext uri="{FF2B5EF4-FFF2-40B4-BE49-F238E27FC236}">
-                <a16:creationId xmlns:a16="http://schemas.microsoft.com/office/drawing/2014/main" id="{3FB97AED-1929-F108-5622-C279251F6D75}"/>
+                <a16:creationId xmlns:a16="http://schemas.microsoft.com/office/drawing/2014/main" id="{41CECD91-A00D-150C-1FD8-21CDEDB116E8}"/>
               </a:ext>
             </a:extLst>
           </p:cNvPr>
@@ -5551,51 +5550,40 @@
             <p:ph idx="1"/>
           </p:nvPr>
         </p:nvSpPr>
-        <p:spPr>
-          <a:xfrm>
-            <a:off x="1097279" y="2108201"/>
-            <a:ext cx="10214567" cy="3760891"/>
-          </a:xfrm>
-        </p:spPr>
+        <p:spPr/>
         <p:txBody>
           <a:bodyPr>
-            <a:noAutofit/>
+            <a:normAutofit/>
           </a:bodyPr>
           <a:lstStyle/>
           <a:p>
             <a:r>
               <a:rPr lang="de-DE" sz="2400" dirty="0"/>
-              <a:t>Überschuss = Einnahmen - Werbungskosten</a:t>
+              <a:t>Steuerausgaben = Ausgaben die steuerlich berücksichtigt werden, um dem Unternehmer zu helfen</a:t>
             </a:r>
           </a:p>
           <a:p>
             <a:r>
               <a:rPr lang="de-DE" sz="2400" dirty="0"/>
-              <a:t>Werbungskosten = Ausgaben zum Erwerb, Sicherung oder Erhalt der Einnahmen </a:t>
+              <a:t>Wichtige Sonderausgaben sind:</a:t>
             </a:r>
           </a:p>
           <a:p>
             <a:r>
               <a:rPr lang="de-DE" sz="2400" dirty="0"/>
-              <a:t>Einkünfte aus </a:t>
+              <a:t>•	Bestimmte Renten</a:t>
             </a:r>
           </a:p>
           <a:p>
             <a:r>
               <a:rPr lang="de-DE" sz="2400" dirty="0"/>
-              <a:t>•	Nichtselbständiger Tätigkeit: Kurskosten für Weiterbildung von Mitarbeitern</a:t>
+              <a:t>•	Beiträge an gesetzlich anerkannten Kirchen</a:t>
             </a:r>
           </a:p>
           <a:p>
             <a:r>
               <a:rPr lang="de-DE" sz="2400" dirty="0"/>
-              <a:t>•	Kapitalvermögen: Kontoführungskosten</a:t>
-            </a:r>
-          </a:p>
-          <a:p>
-            <a:r>
-              <a:rPr lang="de-DE" sz="2400" dirty="0"/>
-              <a:t>•	Vermietung und Verpachtung: Ausmahlen einer Wohnung</a:t>
+              <a:t>•	Steuerberatungskosten</a:t>
             </a:r>
           </a:p>
         </p:txBody>
@@ -5603,20 +5591,20 @@
     </p:spTree>
     <p:extLst>
       <p:ext uri="{BB962C8B-B14F-4D97-AF65-F5344CB8AC3E}">
-        <p14:creationId xmlns:p14="http://schemas.microsoft.com/office/powerpoint/2010/main" val="3420090858"/>
+        <p14:creationId xmlns:p14="http://schemas.microsoft.com/office/powerpoint/2010/main" val="2543385908"/>
       </p:ext>
     </p:extLst>
   </p:cSld>
   <p:clrMapOvr>
     <a:masterClrMapping/>
   </p:clrMapOvr>
-  <mc:AlternateContent xmlns:mc="http://schemas.openxmlformats.org/markup-compatibility/2006">
-    <mc:Choice xmlns:p14="http://schemas.microsoft.com/office/powerpoint/2010/main" Requires="p14">
+  <mc:AlternateContent xmlns:mc="http://schemas.openxmlformats.org/markup-compatibility/2006" xmlns:p14="http://schemas.microsoft.com/office/powerpoint/2010/main">
+    <mc:Choice Requires="p14">
       <p:transition spd="med" p14:dur="700">
         <p:fade/>
       </p:transition>
     </mc:Choice>
-    <mc:Fallback>
+    <mc:Fallback xmlns="">
       <p:transition spd="med">
         <p:fade/>
       </p:transition>
@@ -5647,7 +5635,7 @@
           <p:cNvPr id="2" name="Titel 1">
             <a:extLst>
               <a:ext uri="{FF2B5EF4-FFF2-40B4-BE49-F238E27FC236}">
-                <a16:creationId xmlns:a16="http://schemas.microsoft.com/office/drawing/2014/main" id="{907B8E8D-81CD-B529-2A69-E2BA38219A7C}"/>
+                <a16:creationId xmlns:a16="http://schemas.microsoft.com/office/drawing/2014/main" id="{CAEF7F38-D661-D678-E738-B271458F0E7D}"/>
               </a:ext>
             </a:extLst>
           </p:cNvPr>
@@ -5665,7 +5653,7 @@
           <a:p>
             <a:r>
               <a:rPr lang="de-DE" dirty="0"/>
-              <a:t>Sonderausgaben</a:t>
+              <a:t>Außergewöhnliche Belastungen</a:t>
             </a:r>
           </a:p>
         </p:txBody>
@@ -5675,7 +5663,7 @@
           <p:cNvPr id="3" name="Inhaltsplatzhalter 2">
             <a:extLst>
               <a:ext uri="{FF2B5EF4-FFF2-40B4-BE49-F238E27FC236}">
-                <a16:creationId xmlns:a16="http://schemas.microsoft.com/office/drawing/2014/main" id="{41CECD91-A00D-150C-1FD8-21CDEDB116E8}"/>
+                <a16:creationId xmlns:a16="http://schemas.microsoft.com/office/drawing/2014/main" id="{3F538E53-23AB-219B-6815-1E83810DB1C0}"/>
               </a:ext>
             </a:extLst>
           </p:cNvPr>
@@ -5695,31 +5683,25 @@
           <a:p>
             <a:r>
               <a:rPr lang="de-DE" sz="2400" dirty="0"/>
-              <a:t>Steuerausgaben = Ausgaben die steuerlich berücksichtigt werden, um dem Unternehmer zu helfen</a:t>
+              <a:t>Außergewöhnliche Belastungen = Zahlungen, denen sich der Steuerpflichtige nicht entziehen kann</a:t>
             </a:r>
           </a:p>
           <a:p>
             <a:r>
               <a:rPr lang="de-DE" sz="2400" dirty="0"/>
-              <a:t>Wichtige Sonderausgaben sind:</a:t>
+              <a:t>•	Außergewöhnlich sein</a:t>
             </a:r>
           </a:p>
           <a:p>
             <a:r>
               <a:rPr lang="de-DE" sz="2400" dirty="0"/>
-              <a:t>•	Bestimmte Renten</a:t>
+              <a:t>•	Zwangsläufig sein</a:t>
             </a:r>
           </a:p>
           <a:p>
             <a:r>
               <a:rPr lang="de-DE" sz="2400" dirty="0"/>
-              <a:t>•	Beiträge an gesetzlich anerkannten Kirchen</a:t>
-            </a:r>
-          </a:p>
-          <a:p>
-            <a:r>
-              <a:rPr lang="de-DE" sz="2400" dirty="0"/>
-              <a:t>•	Steuerberatungskosten</a:t>
+              <a:t>•	Die Wirtschaftliche Leistungsfähigkeit wesentlich beeinträchtigen</a:t>
             </a:r>
           </a:p>
         </p:txBody>
@@ -5727,20 +5709,20 @@
     </p:spTree>
     <p:extLst>
       <p:ext uri="{BB962C8B-B14F-4D97-AF65-F5344CB8AC3E}">
-        <p14:creationId xmlns:p14="http://schemas.microsoft.com/office/powerpoint/2010/main" val="2543385908"/>
+        <p14:creationId xmlns:p14="http://schemas.microsoft.com/office/powerpoint/2010/main" val="343636257"/>
       </p:ext>
     </p:extLst>
   </p:cSld>
   <p:clrMapOvr>
     <a:masterClrMapping/>
   </p:clrMapOvr>
-  <mc:AlternateContent xmlns:mc="http://schemas.openxmlformats.org/markup-compatibility/2006">
-    <mc:Choice xmlns:p14="http://schemas.microsoft.com/office/powerpoint/2010/main" Requires="p14">
+  <mc:AlternateContent xmlns:mc="http://schemas.openxmlformats.org/markup-compatibility/2006" xmlns:p14="http://schemas.microsoft.com/office/powerpoint/2010/main">
+    <mc:Choice Requires="p14">
       <p:transition spd="med" p14:dur="700">
         <p:fade/>
       </p:transition>
     </mc:Choice>
-    <mc:Fallback>
+    <mc:Fallback xmlns="">
       <p:transition spd="med">
         <p:fade/>
       </p:transition>
@@ -5894,13 +5876,13 @@
   <p:clrMapOvr>
     <a:masterClrMapping/>
   </p:clrMapOvr>
-  <mc:AlternateContent xmlns:mc="http://schemas.openxmlformats.org/markup-compatibility/2006">
-    <mc:Choice xmlns:p14="http://schemas.microsoft.com/office/powerpoint/2010/main" Requires="p14">
+  <mc:AlternateContent xmlns:mc="http://schemas.openxmlformats.org/markup-compatibility/2006" xmlns:p14="http://schemas.microsoft.com/office/powerpoint/2010/main">
+    <mc:Choice Requires="p14">
       <p:transition spd="med" p14:dur="700">
         <p:fade/>
       </p:transition>
     </mc:Choice>
-    <mc:Fallback>
+    <mc:Fallback xmlns="">
       <p:transition spd="med">
         <p:fade/>
       </p:transition>
@@ -5931,124 +5913,6 @@
           <p:cNvPr id="2" name="Titel 1">
             <a:extLst>
               <a:ext uri="{FF2B5EF4-FFF2-40B4-BE49-F238E27FC236}">
-                <a16:creationId xmlns:a16="http://schemas.microsoft.com/office/drawing/2014/main" id="{CAEF7F38-D661-D678-E738-B271458F0E7D}"/>
-              </a:ext>
-            </a:extLst>
-          </p:cNvPr>
-          <p:cNvSpPr>
-            <a:spLocks noGrp="1"/>
-          </p:cNvSpPr>
-          <p:nvPr>
-            <p:ph type="title"/>
-          </p:nvPr>
-        </p:nvSpPr>
-        <p:spPr/>
-        <p:txBody>
-          <a:bodyPr/>
-          <a:lstStyle/>
-          <a:p>
-            <a:r>
-              <a:rPr lang="de-DE" dirty="0"/>
-              <a:t>Außergewöhnliche Belastungen</a:t>
-            </a:r>
-          </a:p>
-        </p:txBody>
-      </p:sp>
-      <p:sp>
-        <p:nvSpPr>
-          <p:cNvPr id="3" name="Inhaltsplatzhalter 2">
-            <a:extLst>
-              <a:ext uri="{FF2B5EF4-FFF2-40B4-BE49-F238E27FC236}">
-                <a16:creationId xmlns:a16="http://schemas.microsoft.com/office/drawing/2014/main" id="{3F538E53-23AB-219B-6815-1E83810DB1C0}"/>
-              </a:ext>
-            </a:extLst>
-          </p:cNvPr>
-          <p:cNvSpPr>
-            <a:spLocks noGrp="1"/>
-          </p:cNvSpPr>
-          <p:nvPr>
-            <p:ph idx="1"/>
-          </p:nvPr>
-        </p:nvSpPr>
-        <p:spPr/>
-        <p:txBody>
-          <a:bodyPr>
-            <a:normAutofit/>
-          </a:bodyPr>
-          <a:lstStyle/>
-          <a:p>
-            <a:r>
-              <a:rPr lang="de-DE" sz="2400" dirty="0"/>
-              <a:t>Außergewöhnliche Belastungen = Zahlungen, denen sich der Steuerpflichtige nicht entziehen kann</a:t>
-            </a:r>
-          </a:p>
-          <a:p>
-            <a:r>
-              <a:rPr lang="de-DE" sz="2400" dirty="0"/>
-              <a:t>•	Außergewöhnlich sein</a:t>
-            </a:r>
-          </a:p>
-          <a:p>
-            <a:r>
-              <a:rPr lang="de-DE" sz="2400" dirty="0"/>
-              <a:t>•	Zwangsläufig sein</a:t>
-            </a:r>
-          </a:p>
-          <a:p>
-            <a:r>
-              <a:rPr lang="de-DE" sz="2400" dirty="0"/>
-              <a:t>•	Die Wirtschaftliche Leistungsfähigkeit wesentlich beeinträchtigen</a:t>
-            </a:r>
-          </a:p>
-        </p:txBody>
-      </p:sp>
-    </p:spTree>
-    <p:extLst>
-      <p:ext uri="{BB962C8B-B14F-4D97-AF65-F5344CB8AC3E}">
-        <p14:creationId xmlns:p14="http://schemas.microsoft.com/office/powerpoint/2010/main" val="343636257"/>
-      </p:ext>
-    </p:extLst>
-  </p:cSld>
-  <p:clrMapOvr>
-    <a:masterClrMapping/>
-  </p:clrMapOvr>
-  <mc:AlternateContent xmlns:mc="http://schemas.openxmlformats.org/markup-compatibility/2006">
-    <mc:Choice xmlns:p14="http://schemas.microsoft.com/office/powerpoint/2010/main" Requires="p14">
-      <p:transition spd="med" p14:dur="700">
-        <p:fade/>
-      </p:transition>
-    </mc:Choice>
-    <mc:Fallback>
-      <p:transition spd="med">
-        <p:fade/>
-      </p:transition>
-    </mc:Fallback>
-  </mc:AlternateContent>
-</p:sld>
-</file>
-
-<file path=ppt/slides/slide21.xml><?xml version="1.0" encoding="utf-8"?>
-<p:sld xmlns:a="http://schemas.openxmlformats.org/drawingml/2006/main" xmlns:r="http://schemas.openxmlformats.org/officeDocument/2006/relationships" xmlns:p="http://schemas.openxmlformats.org/presentationml/2006/main">
-  <p:cSld>
-    <p:spTree>
-      <p:nvGrpSpPr>
-        <p:cNvPr id="1" name=""/>
-        <p:cNvGrpSpPr/>
-        <p:nvPr/>
-      </p:nvGrpSpPr>
-      <p:grpSpPr>
-        <a:xfrm>
-          <a:off x="0" y="0"/>
-          <a:ext cx="0" cy="0"/>
-          <a:chOff x="0" y="0"/>
-          <a:chExt cx="0" cy="0"/>
-        </a:xfrm>
-      </p:grpSpPr>
-      <p:sp>
-        <p:nvSpPr>
-          <p:cNvPr id="2" name="Titel 1">
-            <a:extLst>
-              <a:ext uri="{FF2B5EF4-FFF2-40B4-BE49-F238E27FC236}">
                 <a16:creationId xmlns:a16="http://schemas.microsoft.com/office/drawing/2014/main" id="{E79D04F6-E6CA-9169-A632-6C765BC9ED03}"/>
               </a:ext>
             </a:extLst>
@@ -6152,13 +6016,13 @@
   <p:clrMapOvr>
     <a:masterClrMapping/>
   </p:clrMapOvr>
-  <mc:AlternateContent xmlns:mc="http://schemas.openxmlformats.org/markup-compatibility/2006">
-    <mc:Choice xmlns:p14="http://schemas.microsoft.com/office/powerpoint/2010/main" Requires="p14">
+  <mc:AlternateContent xmlns:mc="http://schemas.openxmlformats.org/markup-compatibility/2006" xmlns:p14="http://schemas.microsoft.com/office/powerpoint/2010/main">
+    <mc:Choice Requires="p14">
       <p:transition spd="med" p14:dur="700">
         <p:fade/>
       </p:transition>
     </mc:Choice>
-    <mc:Fallback>
+    <mc:Fallback xmlns="">
       <p:transition spd="med">
         <p:fade/>
       </p:transition>
@@ -6167,7 +6031,7 @@
 </p:sld>
 </file>
 
-<file path=ppt/slides/slide22.xml><?xml version="1.0" encoding="utf-8"?>
+<file path=ppt/slides/slide21.xml><?xml version="1.0" encoding="utf-8"?>
 <p:sld xmlns:a="http://schemas.openxmlformats.org/drawingml/2006/main" xmlns:r="http://schemas.openxmlformats.org/officeDocument/2006/relationships" xmlns:p="http://schemas.openxmlformats.org/presentationml/2006/main">
   <p:cSld>
     <p:spTree>
@@ -6312,13 +6176,13 @@
   <p:clrMapOvr>
     <a:masterClrMapping/>
   </p:clrMapOvr>
-  <mc:AlternateContent xmlns:mc="http://schemas.openxmlformats.org/markup-compatibility/2006">
-    <mc:Choice xmlns:p14="http://schemas.microsoft.com/office/powerpoint/2010/main" Requires="p14">
+  <mc:AlternateContent xmlns:mc="http://schemas.openxmlformats.org/markup-compatibility/2006" xmlns:p14="http://schemas.microsoft.com/office/powerpoint/2010/main">
+    <mc:Choice Requires="p14">
       <p:transition spd="med" p14:dur="700">
         <p:fade/>
       </p:transition>
     </mc:Choice>
-    <mc:Fallback>
+    <mc:Fallback xmlns="">
       <p:transition spd="med">
         <p:fade/>
       </p:transition>
@@ -6327,7 +6191,7 @@
 </p:sld>
 </file>
 
-<file path=ppt/slides/slide23.xml><?xml version="1.0" encoding="utf-8"?>
+<file path=ppt/slides/slide22.xml><?xml version="1.0" encoding="utf-8"?>
 <p:sld xmlns:a="http://schemas.openxmlformats.org/drawingml/2006/main" xmlns:r="http://schemas.openxmlformats.org/officeDocument/2006/relationships" xmlns:p="http://schemas.openxmlformats.org/presentationml/2006/main">
   <p:cSld>
     <p:spTree>
@@ -6422,13 +6286,151 @@
   <p:clrMapOvr>
     <a:masterClrMapping/>
   </p:clrMapOvr>
-  <mc:AlternateContent xmlns:mc="http://schemas.openxmlformats.org/markup-compatibility/2006">
-    <mc:Choice xmlns:p14="http://schemas.microsoft.com/office/powerpoint/2010/main" Requires="p14">
+  <mc:AlternateContent xmlns:mc="http://schemas.openxmlformats.org/markup-compatibility/2006" xmlns:p14="http://schemas.microsoft.com/office/powerpoint/2010/main">
+    <mc:Choice Requires="p14">
       <p:transition spd="med" p14:dur="700">
         <p:fade/>
       </p:transition>
     </mc:Choice>
-    <mc:Fallback>
+    <mc:Fallback xmlns="">
+      <p:transition spd="med">
+        <p:fade/>
+      </p:transition>
+    </mc:Fallback>
+  </mc:AlternateContent>
+</p:sld>
+</file>
+
+<file path=ppt/slides/slide23.xml><?xml version="1.0" encoding="utf-8"?>
+<p:sld xmlns:a="http://schemas.openxmlformats.org/drawingml/2006/main" xmlns:r="http://schemas.openxmlformats.org/officeDocument/2006/relationships" xmlns:p="http://schemas.openxmlformats.org/presentationml/2006/main">
+  <p:cSld>
+    <p:spTree>
+      <p:nvGrpSpPr>
+        <p:cNvPr id="1" name=""/>
+        <p:cNvGrpSpPr/>
+        <p:nvPr/>
+      </p:nvGrpSpPr>
+      <p:grpSpPr>
+        <a:xfrm>
+          <a:off x="0" y="0"/>
+          <a:ext cx="0" cy="0"/>
+          <a:chOff x="0" y="0"/>
+          <a:chExt cx="0" cy="0"/>
+        </a:xfrm>
+      </p:grpSpPr>
+      <p:pic>
+        <p:nvPicPr>
+          <p:cNvPr id="4" name="Inhaltsplatzhalter 3">
+            <a:extLst>
+              <a:ext uri="{FF2B5EF4-FFF2-40B4-BE49-F238E27FC236}">
+                <a16:creationId xmlns:a16="http://schemas.microsoft.com/office/drawing/2014/main" id="{73A04CE1-790C-6AF1-DD0B-94407E2B5E55}"/>
+              </a:ext>
+            </a:extLst>
+          </p:cNvPr>
+          <p:cNvPicPr>
+            <a:picLocks noGrp="1" noChangeAspect="1"/>
+          </p:cNvPicPr>
+          <p:nvPr>
+            <p:ph type="pic" idx="1"/>
+          </p:nvPr>
+        </p:nvPicPr>
+        <p:blipFill rotWithShape="1">
+          <a:blip r:embed="rId2"/>
+          <a:stretch/>
+        </p:blipFill>
+        <p:spPr>
+          <a:xfrm>
+            <a:off x="15" y="18418"/>
+            <a:ext cx="12191985" cy="4541513"/>
+          </a:xfrm>
+          <a:prstGeom prst="rect">
+            <a:avLst/>
+          </a:prstGeom>
+          <a:noFill/>
+        </p:spPr>
+      </p:pic>
+      <p:sp>
+        <p:nvSpPr>
+          <p:cNvPr id="2" name="Titel 1">
+            <a:extLst>
+              <a:ext uri="{FF2B5EF4-FFF2-40B4-BE49-F238E27FC236}">
+                <a16:creationId xmlns:a16="http://schemas.microsoft.com/office/drawing/2014/main" id="{161BDBB0-9345-1EE6-920E-E76A43893413}"/>
+              </a:ext>
+            </a:extLst>
+          </p:cNvPr>
+          <p:cNvSpPr>
+            <a:spLocks noGrp="1"/>
+          </p:cNvSpPr>
+          <p:nvPr>
+            <p:ph type="title"/>
+          </p:nvPr>
+        </p:nvSpPr>
+        <p:spPr>
+          <a:xfrm>
+            <a:off x="1097279" y="4799362"/>
+            <a:ext cx="10113645" cy="743682"/>
+          </a:xfrm>
+        </p:spPr>
+        <p:txBody>
+          <a:bodyPr anchor="b">
+            <a:normAutofit/>
+          </a:bodyPr>
+          <a:lstStyle/>
+          <a:p>
+            <a:r>
+              <a:rPr lang="de-DE" dirty="0"/>
+              <a:t>Veranlagte Einkommenssteuer</a:t>
+            </a:r>
+          </a:p>
+        </p:txBody>
+      </p:sp>
+      <p:sp>
+        <p:nvSpPr>
+          <p:cNvPr id="9" name="Text Placeholder 3">
+            <a:extLst>
+              <a:ext uri="{FF2B5EF4-FFF2-40B4-BE49-F238E27FC236}">
+                <a16:creationId xmlns:a16="http://schemas.microsoft.com/office/drawing/2014/main" id="{B6309096-2AC1-4156-E722-4F269B76926E}"/>
+              </a:ext>
+            </a:extLst>
+          </p:cNvPr>
+          <p:cNvSpPr>
+            <a:spLocks noGrp="1"/>
+          </p:cNvSpPr>
+          <p:nvPr>
+            <p:ph type="body" sz="half" idx="2"/>
+          </p:nvPr>
+        </p:nvSpPr>
+        <p:spPr>
+          <a:xfrm>
+            <a:off x="1097279" y="5715000"/>
+            <a:ext cx="10113264" cy="609600"/>
+          </a:xfrm>
+        </p:spPr>
+        <p:txBody>
+          <a:bodyPr/>
+          <a:lstStyle/>
+          <a:p>
+            <a:endParaRPr lang="en-US"/>
+          </a:p>
+        </p:txBody>
+      </p:sp>
+    </p:spTree>
+    <p:extLst>
+      <p:ext uri="{BB962C8B-B14F-4D97-AF65-F5344CB8AC3E}">
+        <p14:creationId xmlns:p14="http://schemas.microsoft.com/office/powerpoint/2010/main" val="1610923525"/>
+      </p:ext>
+    </p:extLst>
+  </p:cSld>
+  <p:clrMapOvr>
+    <a:masterClrMapping/>
+  </p:clrMapOvr>
+  <mc:AlternateContent xmlns:mc="http://schemas.openxmlformats.org/markup-compatibility/2006" xmlns:p14="http://schemas.microsoft.com/office/powerpoint/2010/main">
+    <mc:Choice Requires="p14">
+      <p:transition spd="med" p14:dur="700">
+        <p:fade/>
+      </p:transition>
+    </mc:Choice>
+    <mc:Fallback xmlns="">
       <p:transition spd="med">
         <p:fade/>
       </p:transition>
@@ -6459,7 +6461,7 @@
           <p:cNvPr id="4" name="Inhaltsplatzhalter 3">
             <a:extLst>
               <a:ext uri="{FF2B5EF4-FFF2-40B4-BE49-F238E27FC236}">
-                <a16:creationId xmlns:a16="http://schemas.microsoft.com/office/drawing/2014/main" id="{73A04CE1-790C-6AF1-DD0B-94407E2B5E55}"/>
+                <a16:creationId xmlns:a16="http://schemas.microsoft.com/office/drawing/2014/main" id="{97B4CE34-29F3-499D-A9F9-B6238B92E674}"/>
               </a:ext>
             </a:extLst>
           </p:cNvPr>
@@ -6476,8 +6478,8 @@
         </p:blipFill>
         <p:spPr>
           <a:xfrm>
-            <a:off x="15" y="18418"/>
-            <a:ext cx="12191985" cy="4541513"/>
+            <a:off x="31970" y="0"/>
+            <a:ext cx="12128074" cy="4578350"/>
           </a:xfrm>
           <a:prstGeom prst="rect">
             <a:avLst/>
@@ -6490,7 +6492,7 @@
           <p:cNvPr id="2" name="Titel 1">
             <a:extLst>
               <a:ext uri="{FF2B5EF4-FFF2-40B4-BE49-F238E27FC236}">
-                <a16:creationId xmlns:a16="http://schemas.microsoft.com/office/drawing/2014/main" id="{161BDBB0-9345-1EE6-920E-E76A43893413}"/>
+                <a16:creationId xmlns:a16="http://schemas.microsoft.com/office/drawing/2014/main" id="{4B622E3A-5889-18EB-17AF-F73568D15C79}"/>
               </a:ext>
             </a:extLst>
           </p:cNvPr>
@@ -6515,7 +6517,7 @@
           <a:p>
             <a:r>
               <a:rPr lang="de-DE" dirty="0"/>
-              <a:t>Veranlagte Einkommenssteuer</a:t>
+              <a:t>Körperschaftssteuer</a:t>
             </a:r>
           </a:p>
         </p:txBody>
@@ -6525,7 +6527,7 @@
           <p:cNvPr id="9" name="Text Placeholder 3">
             <a:extLst>
               <a:ext uri="{FF2B5EF4-FFF2-40B4-BE49-F238E27FC236}">
-                <a16:creationId xmlns:a16="http://schemas.microsoft.com/office/drawing/2014/main" id="{B6309096-2AC1-4156-E722-4F269B76926E}"/>
+                <a16:creationId xmlns:a16="http://schemas.microsoft.com/office/drawing/2014/main" id="{235A4DEA-E132-A8AA-7DE1-E1480D498377}"/>
               </a:ext>
             </a:extLst>
           </p:cNvPr>
@@ -6553,20 +6555,20 @@
     </p:spTree>
     <p:extLst>
       <p:ext uri="{BB962C8B-B14F-4D97-AF65-F5344CB8AC3E}">
-        <p14:creationId xmlns:p14="http://schemas.microsoft.com/office/powerpoint/2010/main" val="1610923525"/>
+        <p14:creationId xmlns:p14="http://schemas.microsoft.com/office/powerpoint/2010/main" val="1128899384"/>
       </p:ext>
     </p:extLst>
   </p:cSld>
   <p:clrMapOvr>
     <a:masterClrMapping/>
   </p:clrMapOvr>
-  <mc:AlternateContent xmlns:mc="http://schemas.openxmlformats.org/markup-compatibility/2006">
-    <mc:Choice xmlns:p14="http://schemas.microsoft.com/office/powerpoint/2010/main" Requires="p14">
+  <mc:AlternateContent xmlns:mc="http://schemas.openxmlformats.org/markup-compatibility/2006" xmlns:p14="http://schemas.microsoft.com/office/powerpoint/2010/main">
+    <mc:Choice Requires="p14">
       <p:transition spd="med" p14:dur="700">
         <p:fade/>
       </p:transition>
     </mc:Choice>
-    <mc:Fallback>
+    <mc:Fallback xmlns="">
       <p:transition spd="med">
         <p:fade/>
       </p:transition>
@@ -6592,144 +6594,6 @@
           <a:chExt cx="0" cy="0"/>
         </a:xfrm>
       </p:grpSpPr>
-      <p:pic>
-        <p:nvPicPr>
-          <p:cNvPr id="4" name="Inhaltsplatzhalter 3">
-            <a:extLst>
-              <a:ext uri="{FF2B5EF4-FFF2-40B4-BE49-F238E27FC236}">
-                <a16:creationId xmlns:a16="http://schemas.microsoft.com/office/drawing/2014/main" id="{97B4CE34-29F3-499D-A9F9-B6238B92E674}"/>
-              </a:ext>
-            </a:extLst>
-          </p:cNvPr>
-          <p:cNvPicPr>
-            <a:picLocks noGrp="1" noChangeAspect="1"/>
-          </p:cNvPicPr>
-          <p:nvPr>
-            <p:ph type="pic" idx="1"/>
-          </p:nvPr>
-        </p:nvPicPr>
-        <p:blipFill rotWithShape="1">
-          <a:blip r:embed="rId2"/>
-          <a:stretch/>
-        </p:blipFill>
-        <p:spPr>
-          <a:xfrm>
-            <a:off x="31970" y="0"/>
-            <a:ext cx="12128074" cy="4578350"/>
-          </a:xfrm>
-          <a:prstGeom prst="rect">
-            <a:avLst/>
-          </a:prstGeom>
-          <a:noFill/>
-        </p:spPr>
-      </p:pic>
-      <p:sp>
-        <p:nvSpPr>
-          <p:cNvPr id="2" name="Titel 1">
-            <a:extLst>
-              <a:ext uri="{FF2B5EF4-FFF2-40B4-BE49-F238E27FC236}">
-                <a16:creationId xmlns:a16="http://schemas.microsoft.com/office/drawing/2014/main" id="{4B622E3A-5889-18EB-17AF-F73568D15C79}"/>
-              </a:ext>
-            </a:extLst>
-          </p:cNvPr>
-          <p:cNvSpPr>
-            <a:spLocks noGrp="1"/>
-          </p:cNvSpPr>
-          <p:nvPr>
-            <p:ph type="title"/>
-          </p:nvPr>
-        </p:nvSpPr>
-        <p:spPr>
-          <a:xfrm>
-            <a:off x="1097279" y="4799362"/>
-            <a:ext cx="10113645" cy="743682"/>
-          </a:xfrm>
-        </p:spPr>
-        <p:txBody>
-          <a:bodyPr anchor="b">
-            <a:normAutofit/>
-          </a:bodyPr>
-          <a:lstStyle/>
-          <a:p>
-            <a:r>
-              <a:rPr lang="de-DE" dirty="0"/>
-              <a:t>Körperschaftssteuer</a:t>
-            </a:r>
-          </a:p>
-        </p:txBody>
-      </p:sp>
-      <p:sp>
-        <p:nvSpPr>
-          <p:cNvPr id="9" name="Text Placeholder 3">
-            <a:extLst>
-              <a:ext uri="{FF2B5EF4-FFF2-40B4-BE49-F238E27FC236}">
-                <a16:creationId xmlns:a16="http://schemas.microsoft.com/office/drawing/2014/main" id="{235A4DEA-E132-A8AA-7DE1-E1480D498377}"/>
-              </a:ext>
-            </a:extLst>
-          </p:cNvPr>
-          <p:cNvSpPr>
-            <a:spLocks noGrp="1"/>
-          </p:cNvSpPr>
-          <p:nvPr>
-            <p:ph type="body" sz="half" idx="2"/>
-          </p:nvPr>
-        </p:nvSpPr>
-        <p:spPr>
-          <a:xfrm>
-            <a:off x="1097279" y="5715000"/>
-            <a:ext cx="10113264" cy="609600"/>
-          </a:xfrm>
-        </p:spPr>
-        <p:txBody>
-          <a:bodyPr/>
-          <a:lstStyle/>
-          <a:p>
-            <a:endParaRPr lang="en-US"/>
-          </a:p>
-        </p:txBody>
-      </p:sp>
-    </p:spTree>
-    <p:extLst>
-      <p:ext uri="{BB962C8B-B14F-4D97-AF65-F5344CB8AC3E}">
-        <p14:creationId xmlns:p14="http://schemas.microsoft.com/office/powerpoint/2010/main" val="1128899384"/>
-      </p:ext>
-    </p:extLst>
-  </p:cSld>
-  <p:clrMapOvr>
-    <a:masterClrMapping/>
-  </p:clrMapOvr>
-  <mc:AlternateContent xmlns:mc="http://schemas.openxmlformats.org/markup-compatibility/2006">
-    <mc:Choice xmlns:p14="http://schemas.microsoft.com/office/powerpoint/2010/main" Requires="p14">
-      <p:transition spd="med" p14:dur="700">
-        <p:fade/>
-      </p:transition>
-    </mc:Choice>
-    <mc:Fallback>
-      <p:transition spd="med">
-        <p:fade/>
-      </p:transition>
-    </mc:Fallback>
-  </mc:AlternateContent>
-</p:sld>
-</file>
-
-<file path=ppt/slides/slide26.xml><?xml version="1.0" encoding="utf-8"?>
-<p:sld xmlns:a="http://schemas.openxmlformats.org/drawingml/2006/main" xmlns:r="http://schemas.openxmlformats.org/officeDocument/2006/relationships" xmlns:p="http://schemas.openxmlformats.org/presentationml/2006/main">
-  <p:cSld>
-    <p:spTree>
-      <p:nvGrpSpPr>
-        <p:cNvPr id="1" name=""/>
-        <p:cNvGrpSpPr/>
-        <p:nvPr/>
-      </p:nvGrpSpPr>
-      <p:grpSpPr>
-        <a:xfrm>
-          <a:off x="0" y="0"/>
-          <a:ext cx="0" cy="0"/>
-          <a:chOff x="0" y="0"/>
-          <a:chExt cx="0" cy="0"/>
-        </a:xfrm>
-      </p:grpSpPr>
       <p:sp>
         <p:nvSpPr>
           <p:cNvPr id="2" name="Titel 1">
@@ -6793,13 +6657,13 @@
   <p:clrMapOvr>
     <a:masterClrMapping/>
   </p:clrMapOvr>
-  <mc:AlternateContent xmlns:mc="http://schemas.openxmlformats.org/markup-compatibility/2006">
-    <mc:Choice xmlns:p14="http://schemas.microsoft.com/office/powerpoint/2010/main" Requires="p14">
+  <mc:AlternateContent xmlns:mc="http://schemas.openxmlformats.org/markup-compatibility/2006" xmlns:p14="http://schemas.microsoft.com/office/powerpoint/2010/main">
+    <mc:Choice Requires="p14">
       <p:transition spd="med" p14:dur="700">
         <p:fade/>
       </p:transition>
     </mc:Choice>
-    <mc:Fallback>
+    <mc:Fallback xmlns="">
       <p:transition spd="med">
         <p:fade/>
       </p:transition>
@@ -6888,13 +6752,13 @@
   <p:clrMapOvr>
     <a:masterClrMapping/>
   </p:clrMapOvr>
-  <mc:AlternateContent xmlns:mc="http://schemas.openxmlformats.org/markup-compatibility/2006">
-    <mc:Choice xmlns:p14="http://schemas.microsoft.com/office/powerpoint/2010/main" Requires="p14">
+  <mc:AlternateContent xmlns:mc="http://schemas.openxmlformats.org/markup-compatibility/2006" xmlns:p14="http://schemas.microsoft.com/office/powerpoint/2010/main">
+    <mc:Choice Requires="p14">
       <p:transition spd="med" p14:dur="700">
         <p:fade/>
       </p:transition>
     </mc:Choice>
-    <mc:Fallback>
+    <mc:Fallback xmlns="">
       <p:transition spd="med">
         <p:fade/>
       </p:transition>
@@ -6990,13 +6854,13 @@
   <p:clrMapOvr>
     <a:masterClrMapping/>
   </p:clrMapOvr>
-  <mc:AlternateContent xmlns:mc="http://schemas.openxmlformats.org/markup-compatibility/2006">
-    <mc:Choice xmlns:p14="http://schemas.microsoft.com/office/powerpoint/2010/main" Requires="p14">
+  <mc:AlternateContent xmlns:mc="http://schemas.openxmlformats.org/markup-compatibility/2006" xmlns:p14="http://schemas.microsoft.com/office/powerpoint/2010/main">
+    <mc:Choice Requires="p14">
       <p:transition spd="med" p14:dur="700">
         <p:fade/>
       </p:transition>
     </mc:Choice>
-    <mc:Fallback>
+    <mc:Fallback xmlns="">
       <p:transition spd="med">
         <p:fade/>
       </p:transition>
@@ -7128,13 +6992,13 @@
   <p:clrMapOvr>
     <a:masterClrMapping/>
   </p:clrMapOvr>
-  <mc:AlternateContent xmlns:mc="http://schemas.openxmlformats.org/markup-compatibility/2006">
-    <mc:Choice xmlns:p14="http://schemas.microsoft.com/office/powerpoint/2010/main" Requires="p14">
+  <mc:AlternateContent xmlns:mc="http://schemas.openxmlformats.org/markup-compatibility/2006" xmlns:p14="http://schemas.microsoft.com/office/powerpoint/2010/main">
+    <mc:Choice Requires="p14">
       <p:transition spd="med" p14:dur="700">
         <p:fade/>
       </p:transition>
     </mc:Choice>
-    <mc:Fallback>
+    <mc:Fallback xmlns="">
       <p:transition spd="med">
         <p:fade/>
       </p:transition>
@@ -7238,13 +7102,13 @@
   <p:clrMapOvr>
     <a:masterClrMapping/>
   </p:clrMapOvr>
-  <mc:AlternateContent xmlns:mc="http://schemas.openxmlformats.org/markup-compatibility/2006">
-    <mc:Choice xmlns:p14="http://schemas.microsoft.com/office/powerpoint/2010/main" Requires="p14">
+  <mc:AlternateContent xmlns:mc="http://schemas.openxmlformats.org/markup-compatibility/2006" xmlns:p14="http://schemas.microsoft.com/office/powerpoint/2010/main">
+    <mc:Choice Requires="p14">
       <p:transition spd="med" p14:dur="700">
         <p:fade/>
       </p:transition>
     </mc:Choice>
-    <mc:Fallback>
+    <mc:Fallback xmlns="">
       <p:transition spd="med">
         <p:fade/>
       </p:transition>
@@ -7348,13 +7212,13 @@
   <p:clrMapOvr>
     <a:masterClrMapping/>
   </p:clrMapOvr>
-  <mc:AlternateContent xmlns:mc="http://schemas.openxmlformats.org/markup-compatibility/2006">
-    <mc:Choice xmlns:p14="http://schemas.microsoft.com/office/powerpoint/2010/main" Requires="p14">
+  <mc:AlternateContent xmlns:mc="http://schemas.openxmlformats.org/markup-compatibility/2006" xmlns:p14="http://schemas.microsoft.com/office/powerpoint/2010/main">
+    <mc:Choice Requires="p14">
       <p:transition spd="med" p14:dur="700">
         <p:fade/>
       </p:transition>
     </mc:Choice>
-    <mc:Fallback>
+    <mc:Fallback xmlns="">
       <p:transition spd="med">
         <p:fade/>
       </p:transition>
@@ -7458,13 +7322,13 @@
   <p:clrMapOvr>
     <a:masterClrMapping/>
   </p:clrMapOvr>
-  <mc:AlternateContent xmlns:mc="http://schemas.openxmlformats.org/markup-compatibility/2006">
-    <mc:Choice xmlns:p14="http://schemas.microsoft.com/office/powerpoint/2010/main" Requires="p14">
+  <mc:AlternateContent xmlns:mc="http://schemas.openxmlformats.org/markup-compatibility/2006" xmlns:p14="http://schemas.microsoft.com/office/powerpoint/2010/main">
+    <mc:Choice Requires="p14">
       <p:transition spd="med" p14:dur="700">
         <p:fade/>
       </p:transition>
     </mc:Choice>
-    <mc:Fallback>
+    <mc:Fallback xmlns="">
       <p:transition spd="med">
         <p:fade/>
       </p:transition>
@@ -7581,13 +7445,13 @@
   <p:clrMapOvr>
     <a:masterClrMapping/>
   </p:clrMapOvr>
-  <mc:AlternateContent xmlns:mc="http://schemas.openxmlformats.org/markup-compatibility/2006">
-    <mc:Choice xmlns:p14="http://schemas.microsoft.com/office/powerpoint/2010/main" Requires="p14">
+  <mc:AlternateContent xmlns:mc="http://schemas.openxmlformats.org/markup-compatibility/2006" xmlns:p14="http://schemas.microsoft.com/office/powerpoint/2010/main">
+    <mc:Choice Requires="p14">
       <p:transition spd="med" p14:dur="700">
         <p:fade/>
       </p:transition>
     </mc:Choice>
-    <mc:Fallback>
+    <mc:Fallback xmlns="">
       <p:transition spd="med">
         <p:fade/>
       </p:transition>
@@ -8445,21 +8309,21 @@
 </file>
 
 <file path=customXml/item1.xml><?xml version="1.0" encoding="utf-8"?>
+<p:properties xmlns:p="http://schemas.microsoft.com/office/2006/metadata/properties" xmlns:xsi="http://www.w3.org/2001/XMLSchema-instance" xmlns:pc="http://schemas.microsoft.com/office/infopath/2007/PartnerControls">
+  <documentManagement>
+    <Status xmlns="71af3243-3dd4-4a8d-8c0d-dd76da1f02a5">Not started</Status>
+    <MediaServiceKeyPoints xmlns="71af3243-3dd4-4a8d-8c0d-dd76da1f02a5" xsi:nil="true"/>
+  </documentManagement>
+</p:properties>
+</file>
+
+<file path=customXml/item2.xml><?xml version="1.0" encoding="utf-8"?>
 <?mso-contentType ?>
 <FormTemplates xmlns="http://schemas.microsoft.com/sharepoint/v3/contenttype/forms">
   <Display>DocumentLibraryForm</Display>
   <Edit>DocumentLibraryForm</Edit>
   <New>DocumentLibraryForm</New>
 </FormTemplates>
-</file>
-
-<file path=customXml/item2.xml><?xml version="1.0" encoding="utf-8"?>
-<p:properties xmlns:p="http://schemas.microsoft.com/office/2006/metadata/properties" xmlns:xsi="http://www.w3.org/2001/XMLSchema-instance" xmlns:pc="http://schemas.microsoft.com/office/infopath/2007/PartnerControls">
-  <documentManagement>
-    <Status xmlns="71af3243-3dd4-4a8d-8c0d-dd76da1f02a5">Not started</Status>
-    <MediaServiceKeyPoints xmlns="71af3243-3dd4-4a8d-8c0d-dd76da1f02a5" xsi:nil="true"/>
-  </documentManagement>
-</p:properties>
 </file>
 
 <file path=customXml/item3.xml><?xml version="1.0" encoding="utf-8"?>
@@ -8684,19 +8548,19 @@
 </file>
 
 <file path=customXml/itemProps1.xml><?xml version="1.0" encoding="utf-8"?>
-<ds:datastoreItem xmlns:ds="http://schemas.openxmlformats.org/officeDocument/2006/customXml" ds:itemID="{31F006B4-A9E1-4F39-85C8-FB836F919348}">
+<ds:datastoreItem xmlns:ds="http://schemas.openxmlformats.org/officeDocument/2006/customXml" ds:itemID="{8F3CD65D-61A5-43C9-A837-6EC73C7DA8AB}">
   <ds:schemaRefs>
-    <ds:schemaRef ds:uri="http://schemas.microsoft.com/sharepoint/v3/contenttype/forms"/>
+    <ds:schemaRef ds:uri="http://schemas.microsoft.com/office/2006/metadata/properties"/>
+    <ds:schemaRef ds:uri="http://schemas.microsoft.com/office/infopath/2007/PartnerControls"/>
+    <ds:schemaRef ds:uri="71af3243-3dd4-4a8d-8c0d-dd76da1f02a5"/>
   </ds:schemaRefs>
 </ds:datastoreItem>
 </file>
 
 <file path=customXml/itemProps2.xml><?xml version="1.0" encoding="utf-8"?>
-<ds:datastoreItem xmlns:ds="http://schemas.openxmlformats.org/officeDocument/2006/customXml" ds:itemID="{8F3CD65D-61A5-43C9-A837-6EC73C7DA8AB}">
+<ds:datastoreItem xmlns:ds="http://schemas.openxmlformats.org/officeDocument/2006/customXml" ds:itemID="{31F006B4-A9E1-4F39-85C8-FB836F919348}">
   <ds:schemaRefs>
-    <ds:schemaRef ds:uri="http://schemas.microsoft.com/office/2006/metadata/properties"/>
-    <ds:schemaRef ds:uri="http://schemas.microsoft.com/office/infopath/2007/PartnerControls"/>
-    <ds:schemaRef ds:uri="71af3243-3dd4-4a8d-8c0d-dd76da1f02a5"/>
+    <ds:schemaRef ds:uri="http://schemas.microsoft.com/sharepoint/v3/contenttype/forms"/>
   </ds:schemaRefs>
 </ds:datastoreItem>
 </file>
